--- a/Презентация.pptx
+++ b/Презентация.pptx
@@ -151,6 +151,11 @@
       </a:defRPr>
     </a:lvl9pPr>
   </p:defaultTextStyle>
+  <p:extLst>
+    <p:ext uri="{EFAFB233-063F-42B5-8137-9DF3F51BA10A}">
+      <p15:sldGuideLst xmlns:p15="http://schemas.microsoft.com/office/powerpoint/2012/main"/>
+    </p:ext>
+  </p:extLst>
 </p:presentation>
 </file>
 
@@ -4012,17 +4017,182 @@
             <p:ph type="ctrTitle"/>
           </p:nvPr>
         </p:nvSpPr>
-        <p:spPr/>
+        <p:spPr>
+          <a:xfrm>
+            <a:off x="1499937" y="484982"/>
+            <a:ext cx="9192126" cy="4003550"/>
+          </a:xfrm>
+        </p:spPr>
         <p:txBody>
           <a:bodyPr>
-            <a:normAutofit fontScale="90000"/>
+            <a:noAutofit/>
           </a:bodyPr>
           <a:lstStyle/>
           <a:p>
             <a:r>
-              <a:rPr lang="ru-RU" dirty="0"/>
+              <a:rPr lang="ru-RU" sz="2400" dirty="0">
+                <a:solidFill>
+                  <a:prstClr val="black"/>
+                </a:solidFill>
+                <a:latin typeface="+mn-lt"/>
+              </a:rPr>
+              <a:t>МИНИСТЕРСТВО НАУКИ И ВЫСШЕГО ОБРАЗОВАНИЯ РФ</a:t>
+            </a:r>
+            <a:br>
+              <a:rPr lang="ru-RU" sz="2400" dirty="0">
+                <a:solidFill>
+                  <a:prstClr val="black"/>
+                </a:solidFill>
+                <a:latin typeface="+mn-lt"/>
+              </a:rPr>
+            </a:br>
+            <a:r>
+              <a:rPr lang="ru-RU" sz="2400" dirty="0">
+                <a:solidFill>
+                  <a:prstClr val="black"/>
+                </a:solidFill>
+                <a:latin typeface="+mn-lt"/>
+              </a:rPr>
+              <a:t>Федеральное государственное бюджетное образовательное учреждение</a:t>
+            </a:r>
+            <a:br>
+              <a:rPr lang="ru-RU" sz="2400" dirty="0">
+                <a:solidFill>
+                  <a:prstClr val="black"/>
+                </a:solidFill>
+                <a:latin typeface="+mn-lt"/>
+              </a:rPr>
+            </a:br>
+            <a:r>
+              <a:rPr lang="ru-RU" sz="2400" dirty="0">
+                <a:solidFill>
+                  <a:prstClr val="black"/>
+                </a:solidFill>
+                <a:latin typeface="+mn-lt"/>
+              </a:rPr>
+              <a:t>высшего образования </a:t>
+            </a:r>
+            <a:br>
+              <a:rPr lang="ru-RU" sz="2400" dirty="0">
+                <a:solidFill>
+                  <a:prstClr val="black"/>
+                </a:solidFill>
+                <a:latin typeface="+mn-lt"/>
+              </a:rPr>
+            </a:br>
+            <a:r>
+              <a:rPr lang="ru-RU" sz="2400" dirty="0">
+                <a:solidFill>
+                  <a:prstClr val="black"/>
+                </a:solidFill>
+                <a:latin typeface="+mn-lt"/>
+              </a:rPr>
+              <a:t>«ВЯТСКИЙ ГОСУДАРСТВЕННЫЙ УНИВЕРСИТЕТ»</a:t>
+            </a:r>
+            <a:br>
+              <a:rPr lang="ru-RU" sz="2400" dirty="0">
+                <a:solidFill>
+                  <a:prstClr val="black"/>
+                </a:solidFill>
+                <a:latin typeface="+mn-lt"/>
+              </a:rPr>
+            </a:br>
+            <a:r>
+              <a:rPr lang="ru-RU" sz="2400" dirty="0">
+                <a:solidFill>
+                  <a:prstClr val="black"/>
+                </a:solidFill>
+                <a:latin typeface="+mn-lt"/>
+              </a:rPr>
+              <a:t>ИНСТИТУТ МАТЕМАТИКИ И ИНФОРМАЦИОННЫХ СИСТЕМ</a:t>
+            </a:r>
+            <a:br>
+              <a:rPr lang="ru-RU" sz="2400" dirty="0">
+                <a:solidFill>
+                  <a:prstClr val="black"/>
+                </a:solidFill>
+                <a:latin typeface="+mn-lt"/>
+              </a:rPr>
+            </a:br>
+            <a:r>
+              <a:rPr lang="ru-RU" sz="2400" dirty="0">
+                <a:solidFill>
+                  <a:prstClr val="black"/>
+                </a:solidFill>
+                <a:latin typeface="+mn-lt"/>
+              </a:rPr>
+              <a:t>ФАКУЛЬТЕТ КОМПЬЮТЕРНЫХ И ФИЗИКО-МАТЕМАТИЧЕСКИХ НАУК</a:t>
+            </a:r>
+            <a:br>
+              <a:rPr lang="ru-RU" sz="2400" dirty="0">
+                <a:solidFill>
+                  <a:prstClr val="black"/>
+                </a:solidFill>
+                <a:latin typeface="+mn-lt"/>
+              </a:rPr>
+            </a:br>
+            <a:r>
+              <a:rPr lang="ru-RU" sz="2400" dirty="0">
+                <a:solidFill>
+                  <a:prstClr val="black"/>
+                </a:solidFill>
+                <a:latin typeface="+mn-lt"/>
+              </a:rPr>
+              <a:t>КАФЕДРА ПРИКЛАДНОЙ МАТЕМАТИКИ И ИНФОРМАТИКИ</a:t>
+            </a:r>
+            <a:br>
+              <a:rPr lang="ru-RU" sz="2400" dirty="0">
+                <a:solidFill>
+                  <a:prstClr val="black"/>
+                </a:solidFill>
+                <a:latin typeface="+mn-lt"/>
+              </a:rPr>
+            </a:br>
+            <a:br>
+              <a:rPr lang="ru-RU" sz="2400" dirty="0">
+                <a:solidFill>
+                  <a:prstClr val="black"/>
+                </a:solidFill>
+                <a:latin typeface="+mn-lt"/>
+              </a:rPr>
+            </a:br>
+            <a:br>
+              <a:rPr lang="ru-RU" sz="2400" dirty="0">
+                <a:solidFill>
+                  <a:prstClr val="black"/>
+                </a:solidFill>
+                <a:latin typeface="+mn-lt"/>
+              </a:rPr>
+            </a:br>
+            <a:r>
+              <a:rPr lang="ru-RU" sz="2400" dirty="0">
+                <a:solidFill>
+                  <a:prstClr val="black"/>
+                </a:solidFill>
+                <a:latin typeface="+mn-lt"/>
+              </a:rPr>
+              <a:t>Выпускная квалификационная работа</a:t>
+            </a:r>
+            <a:br>
+              <a:rPr lang="ru-RU" sz="2400" dirty="0">
+                <a:solidFill>
+                  <a:prstClr val="black"/>
+                </a:solidFill>
+                <a:latin typeface="+mn-lt"/>
+              </a:rPr>
+            </a:br>
+            <a:r>
+              <a:rPr lang="ru-RU" sz="2400" dirty="0">
+                <a:solidFill>
+                  <a:prstClr val="black"/>
+                </a:solidFill>
+                <a:latin typeface="+mn-lt"/>
+              </a:rPr>
               <a:t>Разработка чат-бота в поддержку абитуриента ВятГУ</a:t>
             </a:r>
+            <a:endParaRPr lang="ru-RU" sz="2400" dirty="0">
+              <a:latin typeface="+mn-lt"/>
+            </a:endParaRPr>
           </a:p>
         </p:txBody>
       </p:sp>
@@ -4044,7 +4214,7 @@
         </p:nvSpPr>
         <p:spPr>
           <a:xfrm>
-            <a:off x="1524000" y="4042185"/>
+            <a:off x="914400" y="5098256"/>
             <a:ext cx="4572000" cy="1274762"/>
           </a:xfrm>
         </p:spPr>
@@ -4082,7 +4252,7 @@
         </p:nvSpPr>
         <p:spPr>
           <a:xfrm>
-            <a:off x="6914147" y="4042185"/>
+            <a:off x="7138737" y="5098256"/>
             <a:ext cx="4138863" cy="830997"/>
           </a:xfrm>
           <a:prstGeom prst="rect">
